--- a/理论考试/习题解答/理论准备/4-15-logicalAddressToPhysicalAddress.pptx
+++ b/理论考试/习题解答/理论准备/4-15-logicalAddressToPhysicalAddress.pptx
@@ -107,6 +107,11 @@
       </a:defRPr>
     </a:lvl9pPr>
   </p:defaultTextStyle>
+  <p:extLst>
+    <p:ext uri="{EFAFB233-063F-42B5-8137-9DF3F51BA10A}">
+      <p15:sldGuideLst xmlns:p15="http://schemas.microsoft.com/office/powerpoint/2012/main"/>
+    </p:ext>
+  </p:extLst>
 </p:presentation>
 </file>
 
@@ -3949,14 +3954,18 @@
               <a:t>页面大小</a:t>
             </a:r>
             <a:r>
-              <a:rPr lang="en-US" altLang="zh-CN"/>
+              <a:rPr lang="en-US" altLang="zh-CN" dirty="0"/>
               <a:t>=2</a:t>
             </a:r>
             <a:r>
-              <a:rPr lang="en-US" altLang="zh-CN" baseline="30000"/>
+              <a:rPr lang="en-US" altLang="zh-CN" baseline="30000" dirty="0"/>
               <a:t>P</a:t>
             </a:r>
-            <a:endParaRPr lang="zh-CN" altLang="en-US" baseline="30000" dirty="0"/>
+            <a:r>
+              <a:rPr lang="zh-CN" altLang="en-US" dirty="0"/>
+              <a:t>字节</a:t>
+            </a:r>
+            <a:endParaRPr lang="en-US" altLang="zh-CN" dirty="0"/>
           </a:p>
         </p:txBody>
       </p:sp>

--- a/理论考试/习题解答/理论准备/4-15-logicalAddressToPhysicalAddress.pptx
+++ b/理论考试/习题解答/理论准备/4-15-logicalAddressToPhysicalAddress.pptx
@@ -197,7 +197,7 @@
           <a:p>
             <a:fld id="{5316EF65-E621-4C85-AC29-2FFF64EBE99D}" type="datetimeFigureOut">
               <a:rPr lang="zh-CN" altLang="en-US" smtClean="0"/>
-              <a:t>2020/12/25</a:t>
+              <a:t>2020/12/26</a:t>
             </a:fld>
             <a:endParaRPr lang="zh-CN" altLang="en-US"/>
           </a:p>
@@ -611,7 +611,7 @@
           <a:p>
             <a:fld id="{7F6B4852-BECB-4EB9-BD60-5D294E331AC3}" type="datetimeFigureOut">
               <a:rPr lang="zh-CN" altLang="en-US" smtClean="0"/>
-              <a:t>2020/12/25</a:t>
+              <a:t>2020/12/26</a:t>
             </a:fld>
             <a:endParaRPr lang="zh-CN" altLang="en-US"/>
           </a:p>
@@ -809,7 +809,7 @@
           <a:p>
             <a:fld id="{7F6B4852-BECB-4EB9-BD60-5D294E331AC3}" type="datetimeFigureOut">
               <a:rPr lang="zh-CN" altLang="en-US" smtClean="0"/>
-              <a:t>2020/12/25</a:t>
+              <a:t>2020/12/26</a:t>
             </a:fld>
             <a:endParaRPr lang="zh-CN" altLang="en-US"/>
           </a:p>
@@ -1017,7 +1017,7 @@
           <a:p>
             <a:fld id="{7F6B4852-BECB-4EB9-BD60-5D294E331AC3}" type="datetimeFigureOut">
               <a:rPr lang="zh-CN" altLang="en-US" smtClean="0"/>
-              <a:t>2020/12/25</a:t>
+              <a:t>2020/12/26</a:t>
             </a:fld>
             <a:endParaRPr lang="zh-CN" altLang="en-US"/>
           </a:p>
@@ -1215,7 +1215,7 @@
           <a:p>
             <a:fld id="{7F6B4852-BECB-4EB9-BD60-5D294E331AC3}" type="datetimeFigureOut">
               <a:rPr lang="zh-CN" altLang="en-US" smtClean="0"/>
-              <a:t>2020/12/25</a:t>
+              <a:t>2020/12/26</a:t>
             </a:fld>
             <a:endParaRPr lang="zh-CN" altLang="en-US"/>
           </a:p>
@@ -1490,7 +1490,7 @@
           <a:p>
             <a:fld id="{7F6B4852-BECB-4EB9-BD60-5D294E331AC3}" type="datetimeFigureOut">
               <a:rPr lang="zh-CN" altLang="en-US" smtClean="0"/>
-              <a:t>2020/12/25</a:t>
+              <a:t>2020/12/26</a:t>
             </a:fld>
             <a:endParaRPr lang="zh-CN" altLang="en-US"/>
           </a:p>
@@ -1755,7 +1755,7 @@
           <a:p>
             <a:fld id="{7F6B4852-BECB-4EB9-BD60-5D294E331AC3}" type="datetimeFigureOut">
               <a:rPr lang="zh-CN" altLang="en-US" smtClean="0"/>
-              <a:t>2020/12/25</a:t>
+              <a:t>2020/12/26</a:t>
             </a:fld>
             <a:endParaRPr lang="zh-CN" altLang="en-US"/>
           </a:p>
@@ -2167,7 +2167,7 @@
           <a:p>
             <a:fld id="{7F6B4852-BECB-4EB9-BD60-5D294E331AC3}" type="datetimeFigureOut">
               <a:rPr lang="zh-CN" altLang="en-US" smtClean="0"/>
-              <a:t>2020/12/25</a:t>
+              <a:t>2020/12/26</a:t>
             </a:fld>
             <a:endParaRPr lang="zh-CN" altLang="en-US"/>
           </a:p>
@@ -2308,7 +2308,7 @@
           <a:p>
             <a:fld id="{7F6B4852-BECB-4EB9-BD60-5D294E331AC3}" type="datetimeFigureOut">
               <a:rPr lang="zh-CN" altLang="en-US" smtClean="0"/>
-              <a:t>2020/12/25</a:t>
+              <a:t>2020/12/26</a:t>
             </a:fld>
             <a:endParaRPr lang="zh-CN" altLang="en-US"/>
           </a:p>
@@ -2421,7 +2421,7 @@
           <a:p>
             <a:fld id="{7F6B4852-BECB-4EB9-BD60-5D294E331AC3}" type="datetimeFigureOut">
               <a:rPr lang="zh-CN" altLang="en-US" smtClean="0"/>
-              <a:t>2020/12/25</a:t>
+              <a:t>2020/12/26</a:t>
             </a:fld>
             <a:endParaRPr lang="zh-CN" altLang="en-US"/>
           </a:p>
@@ -2732,7 +2732,7 @@
           <a:p>
             <a:fld id="{7F6B4852-BECB-4EB9-BD60-5D294E331AC3}" type="datetimeFigureOut">
               <a:rPr lang="zh-CN" altLang="en-US" smtClean="0"/>
-              <a:t>2020/12/25</a:t>
+              <a:t>2020/12/26</a:t>
             </a:fld>
             <a:endParaRPr lang="zh-CN" altLang="en-US"/>
           </a:p>
@@ -3020,7 +3020,7 @@
           <a:p>
             <a:fld id="{7F6B4852-BECB-4EB9-BD60-5D294E331AC3}" type="datetimeFigureOut">
               <a:rPr lang="zh-CN" altLang="en-US" smtClean="0"/>
-              <a:t>2020/12/25</a:t>
+              <a:t>2020/12/26</a:t>
             </a:fld>
             <a:endParaRPr lang="zh-CN" altLang="en-US"/>
           </a:p>
@@ -3261,7 +3261,7 @@
           <a:p>
             <a:fld id="{7F6B4852-BECB-4EB9-BD60-5D294E331AC3}" type="datetimeFigureOut">
               <a:rPr lang="zh-CN" altLang="en-US" smtClean="0"/>
-              <a:t>2020/12/25</a:t>
+              <a:t>2020/12/26</a:t>
             </a:fld>
             <a:endParaRPr lang="zh-CN" altLang="en-US"/>
           </a:p>
@@ -3692,7 +3692,7 @@
         </p:nvGrpSpPr>
         <p:grpSpPr>
           <a:xfrm>
-            <a:off x="4171024" y="1178576"/>
+            <a:off x="3061315" y="1125310"/>
             <a:ext cx="2880002" cy="1444667"/>
             <a:chOff x="3494749" y="1083326"/>
             <a:chExt cx="2880002" cy="1444667"/>
@@ -3921,7 +3921,7 @@
         </p:nvSpPr>
         <p:spPr>
           <a:xfrm>
-            <a:off x="1138399" y="1903243"/>
+            <a:off x="7741317" y="1848504"/>
             <a:ext cx="2160000" cy="720000"/>
           </a:xfrm>
           <a:prstGeom prst="rect">
@@ -3959,7 +3959,7 @@
             </a:r>
             <a:r>
               <a:rPr lang="en-US" altLang="zh-CN" baseline="30000" dirty="0"/>
-              <a:t>P</a:t>
+              <a:t>w</a:t>
             </a:r>
             <a:r>
               <a:rPr lang="zh-CN" altLang="en-US" dirty="0"/>
@@ -3984,13 +3984,13 @@
           <p:nvPr>
             <p:extLst>
               <p:ext uri="{D42A27DB-BD31-4B8C-83A1-F6EECF244321}">
-                <p14:modId xmlns:p14="http://schemas.microsoft.com/office/powerpoint/2010/main" val="2104742729"/>
+                <p14:modId xmlns:p14="http://schemas.microsoft.com/office/powerpoint/2010/main" val="556108555"/>
               </p:ext>
             </p:extLst>
           </p:nvPr>
         </p:nvGraphicFramePr>
         <p:xfrm>
-          <a:off x="4171024" y="3902474"/>
+          <a:off x="3061315" y="3849208"/>
           <a:ext cx="2880000" cy="1097280"/>
         </p:xfrm>
         <a:graphic>
@@ -4150,7 +4150,7 @@
         </p:nvCxnSpPr>
         <p:spPr>
           <a:xfrm>
-            <a:off x="4891024" y="2623243"/>
+            <a:off x="3781315" y="2569977"/>
             <a:ext cx="9450" cy="1279231"/>
           </a:xfrm>
           <a:prstGeom prst="straightConnector1">
@@ -4185,15 +4185,16 @@
             </a:extLst>
           </p:cNvPr>
           <p:cNvCxnSpPr>
-            <a:stCxn id="12" idx="3"/>
-            <a:endCxn id="4" idx="1"/>
+            <a:cxnSpLocks/>
+            <a:stCxn id="12" idx="1"/>
+            <a:endCxn id="5" idx="3"/>
           </p:cNvCxnSpPr>
           <p:nvPr/>
         </p:nvCxnSpPr>
         <p:spPr>
-          <a:xfrm>
-            <a:off x="3298399" y="2263243"/>
-            <a:ext cx="872625" cy="0"/>
+          <a:xfrm flipH="1">
+            <a:off x="5941315" y="2208504"/>
+            <a:ext cx="1800002" cy="1473"/>
           </a:xfrm>
           <a:prstGeom prst="straightConnector1">
             <a:avLst/>
@@ -4235,7 +4236,7 @@
         </p:nvCxnSpPr>
         <p:spPr>
           <a:xfrm>
-            <a:off x="7051024" y="4086448"/>
+            <a:off x="5941315" y="4033182"/>
             <a:ext cx="720002" cy="0"/>
           </a:xfrm>
           <a:prstGeom prst="straightConnector1">
@@ -4278,7 +4279,7 @@
         </p:nvCxnSpPr>
         <p:spPr>
           <a:xfrm>
-            <a:off x="7051024" y="2263243"/>
+            <a:off x="5941315" y="2209977"/>
             <a:ext cx="2880002" cy="1463205"/>
           </a:xfrm>
           <a:prstGeom prst="straightConnector1">
@@ -4317,7 +4318,7 @@
         </p:nvGrpSpPr>
         <p:grpSpPr>
           <a:xfrm>
-            <a:off x="7771024" y="3726448"/>
+            <a:off x="6661315" y="3673182"/>
             <a:ext cx="2880002" cy="1449332"/>
             <a:chOff x="7771022" y="3902474"/>
             <a:chExt cx="2880002" cy="1449332"/>

--- a/理论考试/习题解答/理论准备/4-15-logicalAddressToPhysicalAddress.pptx
+++ b/理论考试/习题解答/理论准备/4-15-logicalAddressToPhysicalAddress.pptx
@@ -4272,15 +4272,15 @@
           </p:cNvPr>
           <p:cNvCxnSpPr>
             <a:cxnSpLocks/>
-            <a:stCxn id="5" idx="3"/>
+            <a:stCxn id="5" idx="2"/>
             <a:endCxn id="30" idx="0"/>
           </p:cNvCxnSpPr>
           <p:nvPr/>
         </p:nvCxnSpPr>
         <p:spPr>
           <a:xfrm>
-            <a:off x="5941315" y="2209977"/>
-            <a:ext cx="2880002" cy="1463205"/>
+            <a:off x="5221315" y="2569977"/>
+            <a:ext cx="3600002" cy="1103205"/>
           </a:xfrm>
           <a:prstGeom prst="straightConnector1">
             <a:avLst/>
